--- a/.\Anheuser-Busch_Breweriesv2.pptx
+++ b/.\Anheuser-Busch_Breweriesv2.pptx
@@ -3820,7 +3820,7 @@
           <a:p>
             <a:r>
               <a:rPr/>
-              <a:t>2019-06-24</a:t>
+              <a:t>2019-06-25</a:t>
             </a:r>
           </a:p>
         </p:txBody>
